--- a/.gitbook/assets/yan-shi-wen-gao-.pptx
+++ b/.gitbook/assets/yan-shi-wen-gao-.pptx
@@ -3691,32 +3691,40 @@
       <p:grpSpPr/>
       <p:grpSp>
         <p:nvGrpSpPr>
-          <p:cNvPr id="9" name="组合 8"/>
+          <p:cNvPr id="11" name="组合 10"/>
           <p:cNvGrpSpPr/>
           <p:nvPr/>
         </p:nvGrpSpPr>
         <p:grpSpPr>
           <a:xfrm>
-            <a:off x="2697480" y="1882140"/>
-            <a:ext cx="7920990" cy="2324100"/>
-            <a:chOff x="4248" y="2964"/>
-            <a:chExt cx="12474" cy="3660"/>
+            <a:off x="1424940" y="1381125"/>
+            <a:ext cx="10355580" cy="3192780"/>
+            <a:chOff x="2244" y="2175"/>
+            <a:chExt cx="16308" cy="5028"/>
           </a:xfrm>
         </p:grpSpPr>
         <p:sp>
           <p:nvSpPr>
-            <p:cNvPr id="2" name="圆角矩形 1"/>
+            <p:cNvPr id="10" name="矩形 9"/>
             <p:cNvSpPr/>
             <p:nvPr/>
           </p:nvSpPr>
           <p:spPr>
             <a:xfrm>
-              <a:off x="4248" y="2964"/>
-              <a:ext cx="2799" cy="1166"/>
+              <a:off x="2244" y="2175"/>
+              <a:ext cx="16308" cy="5029"/>
             </a:xfrm>
-            <a:prstGeom prst="roundRect">
+            <a:prstGeom prst="rect">
               <a:avLst/>
             </a:prstGeom>
+            <a:solidFill>
+              <a:schemeClr val="bg1"/>
+            </a:solidFill>
+            <a:ln>
+              <a:solidFill>
+                <a:schemeClr val="bg1"/>
+              </a:solidFill>
+            </a:ln>
           </p:spPr>
           <p:style>
             <a:lnRef idx="2">
@@ -3738,316 +3746,370 @@
             <a:bodyPr rtlCol="0" anchor="ctr"/>
             <a:p>
               <a:pPr algn="ctr"/>
-              <a:r>
-                <a:rPr lang="zh-CN" altLang="en-US" b="1">
+              <a:endParaRPr lang="zh-CN" altLang="en-US"/>
+            </a:p>
+          </p:txBody>
+        </p:sp>
+        <p:grpSp>
+          <p:nvGrpSpPr>
+            <p:cNvPr id="9" name="组合 8"/>
+            <p:cNvGrpSpPr/>
+            <p:nvPr/>
+          </p:nvGrpSpPr>
+          <p:grpSpPr>
+            <a:xfrm>
+              <a:off x="4248" y="2964"/>
+              <a:ext cx="12474" cy="3660"/>
+              <a:chOff x="4248" y="2964"/>
+              <a:chExt cx="12474" cy="3660"/>
+            </a:xfrm>
+          </p:grpSpPr>
+          <p:sp>
+            <p:nvSpPr>
+              <p:cNvPr id="2" name="圆角矩形 1"/>
+              <p:cNvSpPr/>
+              <p:nvPr/>
+            </p:nvSpPr>
+            <p:spPr>
+              <a:xfrm>
+                <a:off x="4248" y="2964"/>
+                <a:ext cx="2799" cy="1166"/>
+              </a:xfrm>
+              <a:prstGeom prst="roundRect">
+                <a:avLst/>
+              </a:prstGeom>
+            </p:spPr>
+            <p:style>
+              <a:lnRef idx="2">
+                <a:schemeClr val="accent1">
+                  <a:shade val="50000"/>
+                </a:schemeClr>
+              </a:lnRef>
+              <a:fillRef idx="1">
+                <a:schemeClr val="accent1"/>
+              </a:fillRef>
+              <a:effectRef idx="0">
+                <a:schemeClr val="accent1"/>
+              </a:effectRef>
+              <a:fontRef idx="minor">
+                <a:schemeClr val="lt1"/>
+              </a:fontRef>
+            </p:style>
+            <p:txBody>
+              <a:bodyPr rtlCol="0" anchor="ctr"/>
+              <a:p>
+                <a:pPr algn="ctr"/>
+                <a:r>
+                  <a:rPr lang="zh-CN" altLang="en-US" b="1">
+                    <a:latin typeface="微软雅黑" charset="0"/>
+                    <a:ea typeface="微软雅黑" charset="0"/>
+                    <a:cs typeface="微软雅黑" charset="0"/>
+                  </a:rPr>
+                  <a:t>取指令</a:t>
+                </a:r>
+                <a:endParaRPr lang="zh-CN" altLang="en-US" b="1">
                   <a:latin typeface="微软雅黑" charset="0"/>
                   <a:ea typeface="微软雅黑" charset="0"/>
                   <a:cs typeface="微软雅黑" charset="0"/>
-                </a:rPr>
-                <a:t>取指令</a:t>
-              </a:r>
-              <a:endParaRPr lang="zh-CN" altLang="en-US" b="1">
-                <a:latin typeface="微软雅黑" charset="0"/>
-                <a:ea typeface="微软雅黑" charset="0"/>
-                <a:cs typeface="微软雅黑" charset="0"/>
-              </a:endParaRPr>
-            </a:p>
-            <a:p>
-              <a:pPr algn="ctr"/>
-              <a:r>
-                <a:rPr lang="en-US" altLang="zh-CN" b="1">
+                </a:endParaRPr>
+              </a:p>
+              <a:p>
+                <a:pPr algn="ctr"/>
+                <a:r>
+                  <a:rPr lang="en-US" altLang="zh-CN" b="1">
+                    <a:latin typeface="微软雅黑" charset="0"/>
+                    <a:ea typeface="微软雅黑" charset="0"/>
+                    <a:cs typeface="微软雅黑" charset="0"/>
+                  </a:rPr>
+                  <a:t>Fetch</a:t>
+                </a:r>
+                <a:endParaRPr lang="en-US" altLang="zh-CN" b="1">
                   <a:latin typeface="微软雅黑" charset="0"/>
                   <a:ea typeface="微软雅黑" charset="0"/>
                   <a:cs typeface="微软雅黑" charset="0"/>
-                </a:rPr>
-                <a:t>Fetch</a:t>
-              </a:r>
-              <a:endParaRPr lang="en-US" altLang="zh-CN" b="1">
-                <a:latin typeface="微软雅黑" charset="0"/>
-                <a:ea typeface="微软雅黑" charset="0"/>
-                <a:cs typeface="微软雅黑" charset="0"/>
-              </a:endParaRPr>
-            </a:p>
-          </p:txBody>
-        </p:sp>
-        <p:sp>
-          <p:nvSpPr>
-            <p:cNvPr id="3" name="圆角矩形 2"/>
-            <p:cNvSpPr/>
-            <p:nvPr/>
-          </p:nvSpPr>
-          <p:spPr>
-            <a:xfrm>
-              <a:off x="9086" y="2964"/>
-              <a:ext cx="2799" cy="1166"/>
-            </a:xfrm>
-            <a:prstGeom prst="roundRect">
-              <a:avLst/>
-            </a:prstGeom>
-          </p:spPr>
-          <p:style>
-            <a:lnRef idx="2">
-              <a:schemeClr val="accent1">
-                <a:shade val="50000"/>
-              </a:schemeClr>
-            </a:lnRef>
-            <a:fillRef idx="1">
-              <a:schemeClr val="accent1"/>
-            </a:fillRef>
-            <a:effectRef idx="0">
-              <a:schemeClr val="accent1"/>
-            </a:effectRef>
-            <a:fontRef idx="minor">
-              <a:schemeClr val="lt1"/>
-            </a:fontRef>
-          </p:style>
-          <p:txBody>
-            <a:bodyPr rtlCol="0" anchor="ctr"/>
-            <a:p>
-              <a:pPr algn="ctr"/>
-              <a:r>
-                <a:rPr lang="zh-CN" altLang="en-US" b="1">
+                </a:endParaRPr>
+              </a:p>
+            </p:txBody>
+          </p:sp>
+          <p:sp>
+            <p:nvSpPr>
+              <p:cNvPr id="3" name="圆角矩形 2"/>
+              <p:cNvSpPr/>
+              <p:nvPr/>
+            </p:nvSpPr>
+            <p:spPr>
+              <a:xfrm>
+                <a:off x="9086" y="2964"/>
+                <a:ext cx="2799" cy="1166"/>
+              </a:xfrm>
+              <a:prstGeom prst="roundRect">
+                <a:avLst/>
+              </a:prstGeom>
+            </p:spPr>
+            <p:style>
+              <a:lnRef idx="2">
+                <a:schemeClr val="accent1">
+                  <a:shade val="50000"/>
+                </a:schemeClr>
+              </a:lnRef>
+              <a:fillRef idx="1">
+                <a:schemeClr val="accent1"/>
+              </a:fillRef>
+              <a:effectRef idx="0">
+                <a:schemeClr val="accent1"/>
+              </a:effectRef>
+              <a:fontRef idx="minor">
+                <a:schemeClr val="lt1"/>
+              </a:fontRef>
+            </p:style>
+            <p:txBody>
+              <a:bodyPr rtlCol="0" anchor="ctr"/>
+              <a:p>
+                <a:pPr algn="ctr"/>
+                <a:r>
+                  <a:rPr lang="zh-CN" altLang="en-US" b="1">
+                    <a:latin typeface="微软雅黑" charset="0"/>
+                    <a:ea typeface="微软雅黑" charset="0"/>
+                    <a:cs typeface="微软雅黑" charset="0"/>
+                  </a:rPr>
+                  <a:t>指令译码</a:t>
+                </a:r>
+                <a:endParaRPr lang="zh-CN" altLang="en-US" b="1">
                   <a:latin typeface="微软雅黑" charset="0"/>
                   <a:ea typeface="微软雅黑" charset="0"/>
                   <a:cs typeface="微软雅黑" charset="0"/>
-                </a:rPr>
-                <a:t>指令译码</a:t>
-              </a:r>
-              <a:endParaRPr lang="zh-CN" altLang="en-US" b="1">
-                <a:latin typeface="微软雅黑" charset="0"/>
-                <a:ea typeface="微软雅黑" charset="0"/>
-                <a:cs typeface="微软雅黑" charset="0"/>
-              </a:endParaRPr>
-            </a:p>
-            <a:p>
-              <a:pPr algn="ctr"/>
-              <a:r>
-                <a:rPr lang="en-US" altLang="zh-CN" b="1">
+                </a:endParaRPr>
+              </a:p>
+              <a:p>
+                <a:pPr algn="ctr"/>
+                <a:r>
+                  <a:rPr lang="en-US" altLang="zh-CN" b="1">
+                    <a:latin typeface="微软雅黑" charset="0"/>
+                    <a:ea typeface="微软雅黑" charset="0"/>
+                    <a:cs typeface="微软雅黑" charset="0"/>
+                  </a:rPr>
+                  <a:t>Decode</a:t>
+                </a:r>
+                <a:endParaRPr lang="en-US" altLang="zh-CN" b="1">
                   <a:latin typeface="微软雅黑" charset="0"/>
                   <a:ea typeface="微软雅黑" charset="0"/>
                   <a:cs typeface="微软雅黑" charset="0"/>
-                </a:rPr>
-                <a:t>Decode</a:t>
-              </a:r>
-              <a:endParaRPr lang="en-US" altLang="zh-CN" b="1">
-                <a:latin typeface="微软雅黑" charset="0"/>
-                <a:ea typeface="微软雅黑" charset="0"/>
-                <a:cs typeface="微软雅黑" charset="0"/>
-              </a:endParaRPr>
-            </a:p>
-          </p:txBody>
-        </p:sp>
-        <p:sp>
-          <p:nvSpPr>
-            <p:cNvPr id="4" name="圆角矩形 3"/>
-            <p:cNvSpPr/>
-            <p:nvPr/>
-          </p:nvSpPr>
-          <p:spPr>
-            <a:xfrm>
-              <a:off x="13924" y="2964"/>
-              <a:ext cx="2799" cy="1166"/>
-            </a:xfrm>
-            <a:prstGeom prst="roundRect">
-              <a:avLst/>
-            </a:prstGeom>
-          </p:spPr>
-          <p:style>
-            <a:lnRef idx="2">
-              <a:schemeClr val="accent1">
-                <a:shade val="50000"/>
-              </a:schemeClr>
-            </a:lnRef>
-            <a:fillRef idx="1">
-              <a:schemeClr val="accent1"/>
-            </a:fillRef>
-            <a:effectRef idx="0">
-              <a:schemeClr val="accent1"/>
-            </a:effectRef>
-            <a:fontRef idx="minor">
-              <a:schemeClr val="lt1"/>
-            </a:fontRef>
-          </p:style>
-          <p:txBody>
-            <a:bodyPr rtlCol="0" anchor="ctr"/>
-            <a:p>
-              <a:pPr algn="ctr"/>
-              <a:r>
-                <a:rPr lang="zh-CN" altLang="en-US" b="1">
+                </a:endParaRPr>
+              </a:p>
+            </p:txBody>
+          </p:sp>
+          <p:sp>
+            <p:nvSpPr>
+              <p:cNvPr id="4" name="圆角矩形 3"/>
+              <p:cNvSpPr/>
+              <p:nvPr/>
+            </p:nvSpPr>
+            <p:spPr>
+              <a:xfrm>
+                <a:off x="13924" y="2964"/>
+                <a:ext cx="2799" cy="1166"/>
+              </a:xfrm>
+              <a:prstGeom prst="roundRect">
+                <a:avLst/>
+              </a:prstGeom>
+            </p:spPr>
+            <p:style>
+              <a:lnRef idx="2">
+                <a:schemeClr val="accent1">
+                  <a:shade val="50000"/>
+                </a:schemeClr>
+              </a:lnRef>
+              <a:fillRef idx="1">
+                <a:schemeClr val="accent1"/>
+              </a:fillRef>
+              <a:effectRef idx="0">
+                <a:schemeClr val="accent1"/>
+              </a:effectRef>
+              <a:fontRef idx="minor">
+                <a:schemeClr val="lt1"/>
+              </a:fontRef>
+            </p:style>
+            <p:txBody>
+              <a:bodyPr rtlCol="0" anchor="ctr"/>
+              <a:p>
+                <a:pPr algn="ctr"/>
+                <a:r>
+                  <a:rPr lang="zh-CN" altLang="en-US" b="1">
+                    <a:latin typeface="微软雅黑" charset="0"/>
+                    <a:ea typeface="微软雅黑" charset="0"/>
+                    <a:cs typeface="微软雅黑" charset="0"/>
+                  </a:rPr>
+                  <a:t>执行指令</a:t>
+                </a:r>
+                <a:endParaRPr lang="zh-CN" altLang="en-US" b="1">
                   <a:latin typeface="微软雅黑" charset="0"/>
                   <a:ea typeface="微软雅黑" charset="0"/>
                   <a:cs typeface="微软雅黑" charset="0"/>
-                </a:rPr>
-                <a:t>执行指令</a:t>
-              </a:r>
-              <a:endParaRPr lang="zh-CN" altLang="en-US" b="1">
-                <a:latin typeface="微软雅黑" charset="0"/>
-                <a:ea typeface="微软雅黑" charset="0"/>
-                <a:cs typeface="微软雅黑" charset="0"/>
-              </a:endParaRPr>
-            </a:p>
-            <a:p>
-              <a:pPr algn="ctr"/>
-              <a:r>
-                <a:rPr lang="en-US" altLang="zh-CN" b="1">
+                </a:endParaRPr>
+              </a:p>
+              <a:p>
+                <a:pPr algn="ctr"/>
+                <a:r>
+                  <a:rPr lang="en-US" altLang="zh-CN" b="1">
+                    <a:latin typeface="微软雅黑" charset="0"/>
+                    <a:ea typeface="微软雅黑" charset="0"/>
+                    <a:cs typeface="微软雅黑" charset="0"/>
+                  </a:rPr>
+                  <a:t>Execute</a:t>
+                </a:r>
+                <a:endParaRPr lang="en-US" altLang="zh-CN" b="1">
                   <a:latin typeface="微软雅黑" charset="0"/>
                   <a:ea typeface="微软雅黑" charset="0"/>
                   <a:cs typeface="微软雅黑" charset="0"/>
-                </a:rPr>
-                <a:t>Execute</a:t>
-              </a:r>
-              <a:endParaRPr lang="en-US" altLang="zh-CN" b="1">
-                <a:latin typeface="微软雅黑" charset="0"/>
-                <a:ea typeface="微软雅黑" charset="0"/>
-                <a:cs typeface="微软雅黑" charset="0"/>
-              </a:endParaRPr>
-            </a:p>
-          </p:txBody>
-        </p:sp>
-        <p:cxnSp>
-          <p:nvCxnSpPr>
-            <p:cNvPr id="5" name="直接箭头连接符 4"/>
-            <p:cNvCxnSpPr>
-              <a:stCxn id="2" idx="3"/>
-              <a:endCxn id="3" idx="1"/>
-            </p:cNvCxnSpPr>
-            <p:nvPr/>
-          </p:nvCxnSpPr>
-          <p:spPr>
-            <a:xfrm>
-              <a:off x="7047" y="3547"/>
-              <a:ext cx="2039" cy="0"/>
-            </a:xfrm>
-            <a:prstGeom prst="straightConnector1">
-              <a:avLst/>
-            </a:prstGeom>
-            <a:ln w="38100">
-              <a:tailEnd type="arrow"/>
-            </a:ln>
-          </p:spPr>
-          <p:style>
-            <a:lnRef idx="1">
-              <a:schemeClr val="accent1"/>
-            </a:lnRef>
-            <a:fillRef idx="0">
-              <a:schemeClr val="accent1"/>
-            </a:fillRef>
-            <a:effectRef idx="0">
-              <a:schemeClr val="accent1"/>
-            </a:effectRef>
-            <a:fontRef idx="minor">
-              <a:schemeClr val="tx1"/>
-            </a:fontRef>
-          </p:style>
-        </p:cxnSp>
-        <p:cxnSp>
-          <p:nvCxnSpPr>
-            <p:cNvPr id="6" name="直接箭头连接符 5"/>
-            <p:cNvCxnSpPr/>
-            <p:nvPr/>
-          </p:nvCxnSpPr>
-          <p:spPr>
-            <a:xfrm>
-              <a:off x="11885" y="3547"/>
-              <a:ext cx="2039" cy="0"/>
-            </a:xfrm>
-            <a:prstGeom prst="straightConnector1">
-              <a:avLst/>
-            </a:prstGeom>
-            <a:ln w="38100">
-              <a:tailEnd type="arrow"/>
-            </a:ln>
-          </p:spPr>
-          <p:style>
-            <a:lnRef idx="1">
-              <a:schemeClr val="accent1"/>
-            </a:lnRef>
-            <a:fillRef idx="0">
-              <a:schemeClr val="accent1"/>
-            </a:fillRef>
-            <a:effectRef idx="0">
-              <a:schemeClr val="accent1"/>
-            </a:effectRef>
-            <a:fontRef idx="minor">
-              <a:schemeClr val="tx1"/>
-            </a:fontRef>
-          </p:style>
-        </p:cxnSp>
-        <p:cxnSp>
-          <p:nvCxnSpPr>
-            <p:cNvPr id="7" name="肘形连接符 6"/>
-            <p:cNvCxnSpPr>
-              <a:stCxn id="4" idx="3"/>
-              <a:endCxn id="2" idx="1"/>
-            </p:cNvCxnSpPr>
-            <p:nvPr/>
-          </p:nvCxnSpPr>
-          <p:spPr>
-            <a:xfrm flipH="1">
-              <a:off x="4248" y="3547"/>
-              <a:ext cx="12475" cy="5"/>
-            </a:xfrm>
-            <a:prstGeom prst="bentConnector5">
-              <a:avLst>
-                <a:gd name="adj1" fmla="val -3006"/>
-                <a:gd name="adj2" fmla="val 48720000"/>
-                <a:gd name="adj3" fmla="val 103006"/>
-              </a:avLst>
-            </a:prstGeom>
-            <a:ln w="38100">
-              <a:tailEnd type="arrow"/>
-            </a:ln>
-          </p:spPr>
-          <p:style>
-            <a:lnRef idx="1">
-              <a:schemeClr val="accent1"/>
-            </a:lnRef>
-            <a:fillRef idx="0">
-              <a:schemeClr val="accent1"/>
-            </a:fillRef>
-            <a:effectRef idx="0">
-              <a:schemeClr val="accent1"/>
-            </a:effectRef>
-            <a:fontRef idx="minor">
-              <a:schemeClr val="tx1"/>
-            </a:fontRef>
-          </p:style>
-        </p:cxnSp>
-        <p:sp>
-          <p:nvSpPr>
-            <p:cNvPr id="8" name="文本框 7"/>
-            <p:cNvSpPr txBox="1"/>
-            <p:nvPr/>
-          </p:nvSpPr>
-          <p:spPr>
-            <a:xfrm>
-              <a:off x="9591" y="6044"/>
-              <a:ext cx="1788" cy="580"/>
-            </a:xfrm>
-            <a:prstGeom prst="rect">
-              <a:avLst/>
-            </a:prstGeom>
-            <a:noFill/>
-          </p:spPr>
-          <p:txBody>
-            <a:bodyPr wrap="square" rtlCol="0">
-              <a:spAutoFit/>
-            </a:bodyPr>
-            <a:p>
-              <a:r>
-                <a:rPr lang="zh-CN" altLang="en-US" b="1">
+                </a:endParaRPr>
+              </a:p>
+            </p:txBody>
+          </p:sp>
+          <p:cxnSp>
+            <p:nvCxnSpPr>
+              <p:cNvPr id="5" name="直接箭头连接符 4"/>
+              <p:cNvCxnSpPr>
+                <a:stCxn id="2" idx="3"/>
+                <a:endCxn id="3" idx="1"/>
+              </p:cNvCxnSpPr>
+              <p:nvPr/>
+            </p:nvCxnSpPr>
+            <p:spPr>
+              <a:xfrm>
+                <a:off x="7047" y="3547"/>
+                <a:ext cx="2039" cy="0"/>
+              </a:xfrm>
+              <a:prstGeom prst="straightConnector1">
+                <a:avLst/>
+              </a:prstGeom>
+              <a:ln w="38100">
+                <a:tailEnd type="arrow"/>
+              </a:ln>
+            </p:spPr>
+            <p:style>
+              <a:lnRef idx="1">
+                <a:schemeClr val="accent1"/>
+              </a:lnRef>
+              <a:fillRef idx="0">
+                <a:schemeClr val="accent1"/>
+              </a:fillRef>
+              <a:effectRef idx="0">
+                <a:schemeClr val="accent1"/>
+              </a:effectRef>
+              <a:fontRef idx="minor">
+                <a:schemeClr val="tx1"/>
+              </a:fontRef>
+            </p:style>
+          </p:cxnSp>
+          <p:cxnSp>
+            <p:nvCxnSpPr>
+              <p:cNvPr id="6" name="直接箭头连接符 5"/>
+              <p:cNvCxnSpPr/>
+              <p:nvPr/>
+            </p:nvCxnSpPr>
+            <p:spPr>
+              <a:xfrm>
+                <a:off x="11885" y="3547"/>
+                <a:ext cx="2039" cy="0"/>
+              </a:xfrm>
+              <a:prstGeom prst="straightConnector1">
+                <a:avLst/>
+              </a:prstGeom>
+              <a:ln w="38100">
+                <a:tailEnd type="arrow"/>
+              </a:ln>
+            </p:spPr>
+            <p:style>
+              <a:lnRef idx="1">
+                <a:schemeClr val="accent1"/>
+              </a:lnRef>
+              <a:fillRef idx="0">
+                <a:schemeClr val="accent1"/>
+              </a:fillRef>
+              <a:effectRef idx="0">
+                <a:schemeClr val="accent1"/>
+              </a:effectRef>
+              <a:fontRef idx="minor">
+                <a:schemeClr val="tx1"/>
+              </a:fontRef>
+            </p:style>
+          </p:cxnSp>
+          <p:cxnSp>
+            <p:nvCxnSpPr>
+              <p:cNvPr id="7" name="肘形连接符 6"/>
+              <p:cNvCxnSpPr>
+                <a:stCxn id="4" idx="3"/>
+                <a:endCxn id="2" idx="1"/>
+              </p:cNvCxnSpPr>
+              <p:nvPr/>
+            </p:nvCxnSpPr>
+            <p:spPr>
+              <a:xfrm flipH="1">
+                <a:off x="4248" y="3547"/>
+                <a:ext cx="12475" cy="5"/>
+              </a:xfrm>
+              <a:prstGeom prst="bentConnector5">
+                <a:avLst>
+                  <a:gd name="adj1" fmla="val -3006"/>
+                  <a:gd name="adj2" fmla="val 48720000"/>
+                  <a:gd name="adj3" fmla="val 103006"/>
+                </a:avLst>
+              </a:prstGeom>
+              <a:ln w="38100">
+                <a:tailEnd type="arrow"/>
+              </a:ln>
+            </p:spPr>
+            <p:style>
+              <a:lnRef idx="1">
+                <a:schemeClr val="accent1"/>
+              </a:lnRef>
+              <a:fillRef idx="0">
+                <a:schemeClr val="accent1"/>
+              </a:fillRef>
+              <a:effectRef idx="0">
+                <a:schemeClr val="accent1"/>
+              </a:effectRef>
+              <a:fontRef idx="minor">
+                <a:schemeClr val="tx1"/>
+              </a:fontRef>
+            </p:style>
+          </p:cxnSp>
+          <p:sp>
+            <p:nvSpPr>
+              <p:cNvPr id="8" name="文本框 7"/>
+              <p:cNvSpPr txBox="1"/>
+              <p:nvPr/>
+            </p:nvSpPr>
+            <p:spPr>
+              <a:xfrm>
+                <a:off x="9591" y="6044"/>
+                <a:ext cx="1788" cy="580"/>
+              </a:xfrm>
+              <a:prstGeom prst="rect">
+                <a:avLst/>
+              </a:prstGeom>
+              <a:noFill/>
+            </p:spPr>
+            <p:txBody>
+              <a:bodyPr wrap="square" rtlCol="0">
+                <a:spAutoFit/>
+              </a:bodyPr>
+              <a:p>
+                <a:r>
+                  <a:rPr lang="zh-CN" altLang="en-US" b="1">
+                    <a:latin typeface="微软雅黑" charset="0"/>
+                    <a:ea typeface="微软雅黑" charset="0"/>
+                  </a:rPr>
+                  <a:t>循环执行</a:t>
+                </a:r>
+                <a:endParaRPr lang="zh-CN" altLang="en-US" b="1">
                   <a:latin typeface="微软雅黑" charset="0"/>
                   <a:ea typeface="微软雅黑" charset="0"/>
-                </a:rPr>
-                <a:t>循环执行</a:t>
-              </a:r>
-              <a:endParaRPr lang="zh-CN" altLang="en-US" b="1">
-                <a:latin typeface="微软雅黑" charset="0"/>
-                <a:ea typeface="微软雅黑" charset="0"/>
-              </a:endParaRPr>
-            </a:p>
-          </p:txBody>
-        </p:sp>
+                </a:endParaRPr>
+              </a:p>
+            </p:txBody>
+          </p:sp>
+        </p:grpSp>
       </p:grpSp>
     </p:spTree>
   </p:cSld>
